--- a/Study_logo.pptx
+++ b/Study_logo.pptx
@@ -6,6 +6,7 @@
   </p:sldMasterIdLst>
   <p:sldIdLst>
     <p:sldId id="256" r:id="rId2"/>
+    <p:sldId id="257" r:id="rId3"/>
   </p:sldIdLst>
   <p:sldSz cx="12192000" cy="6858000"/>
   <p:notesSz cx="6858000" cy="9144000"/>
@@ -104,7 +105,73 @@
       </a:defRPr>
     </a:lvl9pPr>
   </p:defaultTextStyle>
+  <p:extLst>
+    <p:ext uri="{EFAFB233-063F-42B5-8137-9DF3F51BA10A}">
+      <p15:sldGuideLst xmlns:p15="http://schemas.microsoft.com/office/powerpoint/2012/main"/>
+    </p:ext>
+  </p:extLst>
 </p:presentation>
+</file>
+
+<file path=ppt/revisionInfo.xml><?xml version="1.0" encoding="utf-8"?>
+<p1510:revInfo xmlns:a="http://schemas.openxmlformats.org/drawingml/2006/main" xmlns:r="http://schemas.openxmlformats.org/officeDocument/2006/relationships" xmlns:p1510="http://schemas.microsoft.com/office/powerpoint/2015/10/main">
+  <p1510:revLst>
+    <p1510:client id="{9AAA2DC0-5071-4406-8D8A-D9BDC923D97A}" v="247" dt="2018-11-29T12:34:17.782"/>
+  </p1510:revLst>
+</p1510:revInfo>
+</file>
+
+<file path=ppt/changesInfos/changesInfo1.xml><?xml version="1.0" encoding="utf-8"?>
+<pc:chgInfo xmlns:a="http://schemas.openxmlformats.org/drawingml/2006/main" xmlns:r="http://schemas.openxmlformats.org/officeDocument/2006/relationships" xmlns:ac="http://schemas.microsoft.com/office/drawing/2013/main/command" xmlns:pc="http://schemas.microsoft.com/office/powerpoint/2013/main/command">
+  <pc:docChgLst>
+    <pc:chgData name="박 성훈" userId="ceb7f861bde8184c" providerId="LiveId" clId="{9AAA2DC0-5071-4406-8D8A-D9BDC923D97A}"/>
+    <pc:docChg chg="custSel addSld modSld">
+      <pc:chgData name="박 성훈" userId="ceb7f861bde8184c" providerId="LiveId" clId="{9AAA2DC0-5071-4406-8D8A-D9BDC923D97A}" dt="2018-11-29T12:34:17.782" v="246" actId="14100"/>
+      <pc:docMkLst>
+        <pc:docMk/>
+      </pc:docMkLst>
+      <pc:sldChg chg="addSp delSp modSp add">
+        <pc:chgData name="박 성훈" userId="ceb7f861bde8184c" providerId="LiveId" clId="{9AAA2DC0-5071-4406-8D8A-D9BDC923D97A}" dt="2018-11-29T12:34:17.782" v="246" actId="14100"/>
+        <pc:sldMkLst>
+          <pc:docMk/>
+          <pc:sldMk cId="3111427934" sldId="257"/>
+        </pc:sldMkLst>
+        <pc:spChg chg="add del mod">
+          <ac:chgData name="박 성훈" userId="ceb7f861bde8184c" providerId="LiveId" clId="{9AAA2DC0-5071-4406-8D8A-D9BDC923D97A}" dt="2018-11-29T12:28:24.153" v="2" actId="478"/>
+          <ac:spMkLst>
+            <pc:docMk/>
+            <pc:sldMk cId="3111427934" sldId="257"/>
+            <ac:spMk id="2" creationId="{B81F6CC4-0319-4147-AEDC-7D8D4773980D}"/>
+          </ac:spMkLst>
+        </pc:spChg>
+        <pc:spChg chg="add del mod">
+          <ac:chgData name="박 성훈" userId="ceb7f861bde8184c" providerId="LiveId" clId="{9AAA2DC0-5071-4406-8D8A-D9BDC923D97A}" dt="2018-11-29T12:28:29.072" v="4" actId="478"/>
+          <ac:spMkLst>
+            <pc:docMk/>
+            <pc:sldMk cId="3111427934" sldId="257"/>
+            <ac:spMk id="3" creationId="{F3F0AFAD-FAB0-4F85-B5AC-57EEB9909A70}"/>
+          </ac:spMkLst>
+        </pc:spChg>
+        <pc:spChg chg="add mod">
+          <ac:chgData name="박 성훈" userId="ceb7f861bde8184c" providerId="LiveId" clId="{9AAA2DC0-5071-4406-8D8A-D9BDC923D97A}" dt="2018-11-29T12:34:17.782" v="246" actId="14100"/>
+          <ac:spMkLst>
+            <pc:docMk/>
+            <pc:sldMk cId="3111427934" sldId="257"/>
+            <ac:spMk id="4" creationId="{21FE5E99-3211-484F-8FAE-407CC07247F4}"/>
+          </ac:spMkLst>
+        </pc:spChg>
+        <pc:spChg chg="add del mod">
+          <ac:chgData name="박 성훈" userId="ceb7f861bde8184c" providerId="LiveId" clId="{9AAA2DC0-5071-4406-8D8A-D9BDC923D97A}" dt="2018-11-29T12:33:37.083" v="185" actId="478"/>
+          <ac:spMkLst>
+            <pc:docMk/>
+            <pc:sldMk cId="3111427934" sldId="257"/>
+            <ac:spMk id="5" creationId="{6F4F95FE-7D84-4CCD-A382-07817CDC0360}"/>
+          </ac:spMkLst>
+        </pc:spChg>
+      </pc:sldChg>
+    </pc:docChg>
+  </pc:docChgLst>
+</pc:chgInfo>
 </file>
 
 <file path=ppt/slideLayouts/slideLayout1.xml><?xml version="1.0" encoding="utf-8"?>
@@ -3690,6 +3757,112 @@
 </p:sld>
 </file>
 
+<file path=ppt/slides/slide2.xml><?xml version="1.0" encoding="utf-8"?>
+<p:sld xmlns:a="http://schemas.openxmlformats.org/drawingml/2006/main" xmlns:r="http://schemas.openxmlformats.org/officeDocument/2006/relationships" xmlns:p="http://schemas.openxmlformats.org/presentationml/2006/main">
+  <p:cSld>
+    <p:spTree>
+      <p:nvGrpSpPr>
+        <p:cNvPr id="1" name=""/>
+        <p:cNvGrpSpPr/>
+        <p:nvPr/>
+      </p:nvGrpSpPr>
+      <p:grpSpPr>
+        <a:xfrm>
+          <a:off x="0" y="0"/>
+          <a:ext cx="0" cy="0"/>
+          <a:chOff x="0" y="0"/>
+          <a:chExt cx="0" cy="0"/>
+        </a:xfrm>
+      </p:grpSpPr>
+      <p:sp>
+        <p:nvSpPr>
+          <p:cNvPr id="4" name="사각형: 둥근 모서리 3">
+            <a:extLst>
+              <a:ext uri="{FF2B5EF4-FFF2-40B4-BE49-F238E27FC236}">
+                <a16:creationId xmlns:a16="http://schemas.microsoft.com/office/drawing/2014/main" id="{21FE5E99-3211-484F-8FAE-407CC07247F4}"/>
+              </a:ext>
+            </a:extLst>
+          </p:cNvPr>
+          <p:cNvSpPr/>
+          <p:nvPr/>
+        </p:nvSpPr>
+        <p:spPr>
+          <a:xfrm>
+            <a:off x="573875" y="509374"/>
+            <a:ext cx="3904819" cy="1348654"/>
+          </a:xfrm>
+          <a:prstGeom prst="roundRect">
+            <a:avLst>
+              <a:gd name="adj" fmla="val 50000"/>
+            </a:avLst>
+          </a:prstGeom>
+          <a:solidFill>
+            <a:srgbClr val="FFC000">
+              <a:alpha val="86000"/>
+            </a:srgbClr>
+          </a:solidFill>
+          <a:ln w="12700">
+            <a:noFill/>
+            <a:miter lim="800000"/>
+          </a:ln>
+          <a:effectLst/>
+        </p:spPr>
+        <p:style>
+          <a:lnRef idx="2">
+            <a:schemeClr val="accent1">
+              <a:shade val="50000"/>
+            </a:schemeClr>
+          </a:lnRef>
+          <a:fillRef idx="1">
+            <a:schemeClr val="accent1"/>
+          </a:fillRef>
+          <a:effectRef idx="0">
+            <a:schemeClr val="accent1"/>
+          </a:effectRef>
+          <a:fontRef idx="minor">
+            <a:schemeClr val="lt1"/>
+          </a:fontRef>
+        </p:style>
+        <p:txBody>
+          <a:bodyPr rtlCol="0" anchor="ctr"/>
+          <a:lstStyle/>
+          <a:p>
+            <a:pPr algn="ctr"/>
+            <a:r>
+              <a:rPr lang="en-US" altLang="ko-KR" sz="2800" dirty="0">
+                <a:solidFill>
+                  <a:schemeClr val="bg1"/>
+                </a:solidFill>
+                <a:latin typeface="함초롬돋움" panose="020B0604000101010101" pitchFamily="50" charset="-127"/>
+                <a:ea typeface="함초롬돋움" panose="020B0604000101010101" pitchFamily="50" charset="-127"/>
+                <a:cs typeface="함초롬돋움" panose="020B0604000101010101" pitchFamily="50" charset="-127"/>
+              </a:rPr>
+              <a:t>Sign up for free!</a:t>
+            </a:r>
+            <a:endParaRPr lang="ko-KR" altLang="en-US" sz="2800" dirty="0">
+              <a:solidFill>
+                <a:schemeClr val="bg1"/>
+              </a:solidFill>
+              <a:latin typeface="함초롬돋움" panose="020B0604000101010101" pitchFamily="50" charset="-127"/>
+              <a:ea typeface="함초롬돋움" panose="020B0604000101010101" pitchFamily="50" charset="-127"/>
+              <a:cs typeface="함초롬돋움" panose="020B0604000101010101" pitchFamily="50" charset="-127"/>
+            </a:endParaRPr>
+          </a:p>
+        </p:txBody>
+      </p:sp>
+    </p:spTree>
+    <p:extLst>
+      <p:ext uri="{BB962C8B-B14F-4D97-AF65-F5344CB8AC3E}">
+        <p14:creationId xmlns:p14="http://schemas.microsoft.com/office/powerpoint/2010/main" val="3111427934"/>
+      </p:ext>
+    </p:extLst>
+  </p:cSld>
+  <p:clrMapOvr>
+    <a:masterClrMapping/>
+  </p:clrMapOvr>
+</p:sld>
+</file>
+
 <file path=ppt/theme/theme1.xml><?xml version="1.0" encoding="utf-8"?>
 <a:theme xmlns:a="http://schemas.openxmlformats.org/drawingml/2006/main" name="Office 테마">
   <a:themeElements>

--- a/Study_logo.pptx
+++ b/Study_logo.pptx
@@ -116,7 +116,7 @@
 <file path=ppt/revisionInfo.xml><?xml version="1.0" encoding="utf-8"?>
 <p1510:revInfo xmlns:a="http://schemas.openxmlformats.org/drawingml/2006/main" xmlns:r="http://schemas.openxmlformats.org/officeDocument/2006/relationships" xmlns:p1510="http://schemas.microsoft.com/office/powerpoint/2015/10/main">
   <p1510:revLst>
-    <p1510:client id="{9AAA2DC0-5071-4406-8D8A-D9BDC923D97A}" v="247" dt="2018-11-29T12:34:17.782"/>
+    <p1510:client id="{9AAA2DC0-5071-4406-8D8A-D9BDC923D97A}" v="412" dt="2018-12-03T14:03:47.878"/>
   </p1510:revLst>
 </p1510:revInfo>
 </file>
@@ -126,12 +126,12 @@
   <pc:docChgLst>
     <pc:chgData name="박 성훈" userId="ceb7f861bde8184c" providerId="LiveId" clId="{9AAA2DC0-5071-4406-8D8A-D9BDC923D97A}"/>
     <pc:docChg chg="custSel addSld modSld">
-      <pc:chgData name="박 성훈" userId="ceb7f861bde8184c" providerId="LiveId" clId="{9AAA2DC0-5071-4406-8D8A-D9BDC923D97A}" dt="2018-11-29T12:34:17.782" v="246" actId="14100"/>
+      <pc:chgData name="박 성훈" userId="ceb7f861bde8184c" providerId="LiveId" clId="{9AAA2DC0-5071-4406-8D8A-D9BDC923D97A}" dt="2018-12-03T14:03:47.878" v="410" actId="20577"/>
       <pc:docMkLst>
         <pc:docMk/>
       </pc:docMkLst>
       <pc:sldChg chg="addSp delSp modSp add">
-        <pc:chgData name="박 성훈" userId="ceb7f861bde8184c" providerId="LiveId" clId="{9AAA2DC0-5071-4406-8D8A-D9BDC923D97A}" dt="2018-11-29T12:34:17.782" v="246" actId="14100"/>
+        <pc:chgData name="박 성훈" userId="ceb7f861bde8184c" providerId="LiveId" clId="{9AAA2DC0-5071-4406-8D8A-D9BDC923D97A}" dt="2018-12-03T14:03:47.878" v="410" actId="20577"/>
         <pc:sldMkLst>
           <pc:docMk/>
           <pc:sldMk cId="3111427934" sldId="257"/>
@@ -142,6 +142,14 @@
             <pc:docMk/>
             <pc:sldMk cId="3111427934" sldId="257"/>
             <ac:spMk id="2" creationId="{B81F6CC4-0319-4147-AEDC-7D8D4773980D}"/>
+          </ac:spMkLst>
+        </pc:spChg>
+        <pc:spChg chg="add mod">
+          <ac:chgData name="박 성훈" userId="ceb7f861bde8184c" providerId="LiveId" clId="{9AAA2DC0-5071-4406-8D8A-D9BDC923D97A}" dt="2018-12-03T14:03:47.878" v="410" actId="20577"/>
+          <ac:spMkLst>
+            <pc:docMk/>
+            <pc:sldMk cId="3111427934" sldId="257"/>
+            <ac:spMk id="3" creationId="{3BAB124E-C0A3-4859-810C-278AEDACC929}"/>
           </ac:spMkLst>
         </pc:spChg>
         <pc:spChg chg="add del mod">
@@ -321,7 +329,7 @@
           <a:p>
             <a:fld id="{42F0421B-D5FF-40E8-BBB2-A82702EFA2CA}" type="datetimeFigureOut">
               <a:rPr lang="ko-KR" altLang="en-US" smtClean="0"/>
-              <a:t>2018-11-29</a:t>
+              <a:t>2018-12-03</a:t>
             </a:fld>
             <a:endParaRPr lang="ko-KR" altLang="en-US"/>
           </a:p>
@@ -519,7 +527,7 @@
           <a:p>
             <a:fld id="{42F0421B-D5FF-40E8-BBB2-A82702EFA2CA}" type="datetimeFigureOut">
               <a:rPr lang="ko-KR" altLang="en-US" smtClean="0"/>
-              <a:t>2018-11-29</a:t>
+              <a:t>2018-12-03</a:t>
             </a:fld>
             <a:endParaRPr lang="ko-KR" altLang="en-US"/>
           </a:p>
@@ -727,7 +735,7 @@
           <a:p>
             <a:fld id="{42F0421B-D5FF-40E8-BBB2-A82702EFA2CA}" type="datetimeFigureOut">
               <a:rPr lang="ko-KR" altLang="en-US" smtClean="0"/>
-              <a:t>2018-11-29</a:t>
+              <a:t>2018-12-03</a:t>
             </a:fld>
             <a:endParaRPr lang="ko-KR" altLang="en-US"/>
           </a:p>
@@ -925,7 +933,7 @@
           <a:p>
             <a:fld id="{42F0421B-D5FF-40E8-BBB2-A82702EFA2CA}" type="datetimeFigureOut">
               <a:rPr lang="ko-KR" altLang="en-US" smtClean="0"/>
-              <a:t>2018-11-29</a:t>
+              <a:t>2018-12-03</a:t>
             </a:fld>
             <a:endParaRPr lang="ko-KR" altLang="en-US"/>
           </a:p>
@@ -1200,7 +1208,7 @@
           <a:p>
             <a:fld id="{42F0421B-D5FF-40E8-BBB2-A82702EFA2CA}" type="datetimeFigureOut">
               <a:rPr lang="ko-KR" altLang="en-US" smtClean="0"/>
-              <a:t>2018-11-29</a:t>
+              <a:t>2018-12-03</a:t>
             </a:fld>
             <a:endParaRPr lang="ko-KR" altLang="en-US"/>
           </a:p>
@@ -1465,7 +1473,7 @@
           <a:p>
             <a:fld id="{42F0421B-D5FF-40E8-BBB2-A82702EFA2CA}" type="datetimeFigureOut">
               <a:rPr lang="ko-KR" altLang="en-US" smtClean="0"/>
-              <a:t>2018-11-29</a:t>
+              <a:t>2018-12-03</a:t>
             </a:fld>
             <a:endParaRPr lang="ko-KR" altLang="en-US"/>
           </a:p>
@@ -1877,7 +1885,7 @@
           <a:p>
             <a:fld id="{42F0421B-D5FF-40E8-BBB2-A82702EFA2CA}" type="datetimeFigureOut">
               <a:rPr lang="ko-KR" altLang="en-US" smtClean="0"/>
-              <a:t>2018-11-29</a:t>
+              <a:t>2018-12-03</a:t>
             </a:fld>
             <a:endParaRPr lang="ko-KR" altLang="en-US"/>
           </a:p>
@@ -2018,7 +2026,7 @@
           <a:p>
             <a:fld id="{42F0421B-D5FF-40E8-BBB2-A82702EFA2CA}" type="datetimeFigureOut">
               <a:rPr lang="ko-KR" altLang="en-US" smtClean="0"/>
-              <a:t>2018-11-29</a:t>
+              <a:t>2018-12-03</a:t>
             </a:fld>
             <a:endParaRPr lang="ko-KR" altLang="en-US"/>
           </a:p>
@@ -2131,7 +2139,7 @@
           <a:p>
             <a:fld id="{42F0421B-D5FF-40E8-BBB2-A82702EFA2CA}" type="datetimeFigureOut">
               <a:rPr lang="ko-KR" altLang="en-US" smtClean="0"/>
-              <a:t>2018-11-29</a:t>
+              <a:t>2018-12-03</a:t>
             </a:fld>
             <a:endParaRPr lang="ko-KR" altLang="en-US"/>
           </a:p>
@@ -2442,7 +2450,7 @@
           <a:p>
             <a:fld id="{42F0421B-D5FF-40E8-BBB2-A82702EFA2CA}" type="datetimeFigureOut">
               <a:rPr lang="ko-KR" altLang="en-US" smtClean="0"/>
-              <a:t>2018-11-29</a:t>
+              <a:t>2018-12-03</a:t>
             </a:fld>
             <a:endParaRPr lang="ko-KR" altLang="en-US"/>
           </a:p>
@@ -2730,7 +2738,7 @@
           <a:p>
             <a:fld id="{42F0421B-D5FF-40E8-BBB2-A82702EFA2CA}" type="datetimeFigureOut">
               <a:rPr lang="ko-KR" altLang="en-US" smtClean="0"/>
-              <a:t>2018-11-29</a:t>
+              <a:t>2018-12-03</a:t>
             </a:fld>
             <a:endParaRPr lang="ko-KR" altLang="en-US"/>
           </a:p>
@@ -2971,7 +2979,7 @@
           <a:p>
             <a:fld id="{42F0421B-D5FF-40E8-BBB2-A82702EFA2CA}" type="datetimeFigureOut">
               <a:rPr lang="ko-KR" altLang="en-US" smtClean="0"/>
-              <a:t>2018-11-29</a:t>
+              <a:t>2018-12-03</a:t>
             </a:fld>
             <a:endParaRPr lang="ko-KR" altLang="en-US"/>
           </a:p>
@@ -3850,6 +3858,74 @@
           </a:p>
         </p:txBody>
       </p:sp>
+      <p:sp>
+        <p:nvSpPr>
+          <p:cNvPr id="3" name="사각형: 둥근 모서리 2">
+            <a:extLst>
+              <a:ext uri="{FF2B5EF4-FFF2-40B4-BE49-F238E27FC236}">
+                <a16:creationId xmlns:a16="http://schemas.microsoft.com/office/drawing/2014/main" id="{3BAB124E-C0A3-4859-810C-278AEDACC929}"/>
+              </a:ext>
+            </a:extLst>
+          </p:cNvPr>
+          <p:cNvSpPr/>
+          <p:nvPr/>
+        </p:nvSpPr>
+        <p:spPr>
+          <a:xfrm>
+            <a:off x="573875" y="2165259"/>
+            <a:ext cx="3904819" cy="1348654"/>
+          </a:xfrm>
+          <a:prstGeom prst="roundRect">
+            <a:avLst>
+              <a:gd name="adj" fmla="val 50000"/>
+            </a:avLst>
+          </a:prstGeom>
+          <a:solidFill>
+            <a:srgbClr val="33CCFF">
+              <a:alpha val="85882"/>
+            </a:srgbClr>
+          </a:solidFill>
+          <a:ln w="12700">
+            <a:noFill/>
+            <a:miter lim="800000"/>
+          </a:ln>
+          <a:effectLst/>
+        </p:spPr>
+        <p:style>
+          <a:lnRef idx="2">
+            <a:schemeClr val="accent1">
+              <a:shade val="50000"/>
+            </a:schemeClr>
+          </a:lnRef>
+          <a:fillRef idx="1">
+            <a:schemeClr val="accent1"/>
+          </a:fillRef>
+          <a:effectRef idx="0">
+            <a:schemeClr val="accent1"/>
+          </a:effectRef>
+          <a:fontRef idx="minor">
+            <a:schemeClr val="lt1"/>
+          </a:fontRef>
+        </p:style>
+        <p:txBody>
+          <a:bodyPr rtlCol="0" anchor="ctr"/>
+          <a:lstStyle/>
+          <a:p>
+            <a:pPr algn="ctr"/>
+            <a:r>
+              <a:rPr lang="ko-KR" altLang="en-US" sz="3600" dirty="0">
+                <a:solidFill>
+                  <a:schemeClr val="bg1"/>
+                </a:solidFill>
+                <a:latin typeface="배달의민족 주아" panose="02020603020101020101" pitchFamily="18" charset="-127"/>
+                <a:ea typeface="배달의민족 주아" panose="02020603020101020101" pitchFamily="18" charset="-127"/>
+                <a:cs typeface="함초롬돋움" panose="020B0604000101010101" pitchFamily="50" charset="-127"/>
+              </a:rPr>
+              <a:t>언어 페이지</a:t>
+            </a:r>
+          </a:p>
+        </p:txBody>
+      </p:sp>
     </p:spTree>
     <p:extLst>
       <p:ext uri="{BB962C8B-B14F-4D97-AF65-F5344CB8AC3E}">

--- a/Study_logo.pptx
+++ b/Study_logo.pptx
@@ -329,7 +329,7 @@
           <a:p>
             <a:fld id="{42F0421B-D5FF-40E8-BBB2-A82702EFA2CA}" type="datetimeFigureOut">
               <a:rPr lang="ko-KR" altLang="en-US" smtClean="0"/>
-              <a:t>2018-12-03</a:t>
+              <a:t>2018-12-04</a:t>
             </a:fld>
             <a:endParaRPr lang="ko-KR" altLang="en-US"/>
           </a:p>
@@ -527,7 +527,7 @@
           <a:p>
             <a:fld id="{42F0421B-D5FF-40E8-BBB2-A82702EFA2CA}" type="datetimeFigureOut">
               <a:rPr lang="ko-KR" altLang="en-US" smtClean="0"/>
-              <a:t>2018-12-03</a:t>
+              <a:t>2018-12-04</a:t>
             </a:fld>
             <a:endParaRPr lang="ko-KR" altLang="en-US"/>
           </a:p>
@@ -735,7 +735,7 @@
           <a:p>
             <a:fld id="{42F0421B-D5FF-40E8-BBB2-A82702EFA2CA}" type="datetimeFigureOut">
               <a:rPr lang="ko-KR" altLang="en-US" smtClean="0"/>
-              <a:t>2018-12-03</a:t>
+              <a:t>2018-12-04</a:t>
             </a:fld>
             <a:endParaRPr lang="ko-KR" altLang="en-US"/>
           </a:p>
@@ -933,7 +933,7 @@
           <a:p>
             <a:fld id="{42F0421B-D5FF-40E8-BBB2-A82702EFA2CA}" type="datetimeFigureOut">
               <a:rPr lang="ko-KR" altLang="en-US" smtClean="0"/>
-              <a:t>2018-12-03</a:t>
+              <a:t>2018-12-04</a:t>
             </a:fld>
             <a:endParaRPr lang="ko-KR" altLang="en-US"/>
           </a:p>
@@ -1208,7 +1208,7 @@
           <a:p>
             <a:fld id="{42F0421B-D5FF-40E8-BBB2-A82702EFA2CA}" type="datetimeFigureOut">
               <a:rPr lang="ko-KR" altLang="en-US" smtClean="0"/>
-              <a:t>2018-12-03</a:t>
+              <a:t>2018-12-04</a:t>
             </a:fld>
             <a:endParaRPr lang="ko-KR" altLang="en-US"/>
           </a:p>
@@ -1473,7 +1473,7 @@
           <a:p>
             <a:fld id="{42F0421B-D5FF-40E8-BBB2-A82702EFA2CA}" type="datetimeFigureOut">
               <a:rPr lang="ko-KR" altLang="en-US" smtClean="0"/>
-              <a:t>2018-12-03</a:t>
+              <a:t>2018-12-04</a:t>
             </a:fld>
             <a:endParaRPr lang="ko-KR" altLang="en-US"/>
           </a:p>
@@ -1885,7 +1885,7 @@
           <a:p>
             <a:fld id="{42F0421B-D5FF-40E8-BBB2-A82702EFA2CA}" type="datetimeFigureOut">
               <a:rPr lang="ko-KR" altLang="en-US" smtClean="0"/>
-              <a:t>2018-12-03</a:t>
+              <a:t>2018-12-04</a:t>
             </a:fld>
             <a:endParaRPr lang="ko-KR" altLang="en-US"/>
           </a:p>
@@ -2026,7 +2026,7 @@
           <a:p>
             <a:fld id="{42F0421B-D5FF-40E8-BBB2-A82702EFA2CA}" type="datetimeFigureOut">
               <a:rPr lang="ko-KR" altLang="en-US" smtClean="0"/>
-              <a:t>2018-12-03</a:t>
+              <a:t>2018-12-04</a:t>
             </a:fld>
             <a:endParaRPr lang="ko-KR" altLang="en-US"/>
           </a:p>
@@ -2139,7 +2139,7 @@
           <a:p>
             <a:fld id="{42F0421B-D5FF-40E8-BBB2-A82702EFA2CA}" type="datetimeFigureOut">
               <a:rPr lang="ko-KR" altLang="en-US" smtClean="0"/>
-              <a:t>2018-12-03</a:t>
+              <a:t>2018-12-04</a:t>
             </a:fld>
             <a:endParaRPr lang="ko-KR" altLang="en-US"/>
           </a:p>
@@ -2450,7 +2450,7 @@
           <a:p>
             <a:fld id="{42F0421B-D5FF-40E8-BBB2-A82702EFA2CA}" type="datetimeFigureOut">
               <a:rPr lang="ko-KR" altLang="en-US" smtClean="0"/>
-              <a:t>2018-12-03</a:t>
+              <a:t>2018-12-04</a:t>
             </a:fld>
             <a:endParaRPr lang="ko-KR" altLang="en-US"/>
           </a:p>
@@ -2738,7 +2738,7 @@
           <a:p>
             <a:fld id="{42F0421B-D5FF-40E8-BBB2-A82702EFA2CA}" type="datetimeFigureOut">
               <a:rPr lang="ko-KR" altLang="en-US" smtClean="0"/>
-              <a:t>2018-12-03</a:t>
+              <a:t>2018-12-04</a:t>
             </a:fld>
             <a:endParaRPr lang="ko-KR" altLang="en-US"/>
           </a:p>
@@ -2979,7 +2979,7 @@
           <a:p>
             <a:fld id="{42F0421B-D5FF-40E8-BBB2-A82702EFA2CA}" type="datetimeFigureOut">
               <a:rPr lang="ko-KR" altLang="en-US" smtClean="0"/>
-              <a:t>2018-12-03</a:t>
+              <a:t>2018-12-04</a:t>
             </a:fld>
             <a:endParaRPr lang="ko-KR" altLang="en-US"/>
           </a:p>
@@ -3419,7 +3419,7 @@
           <a:noFill/>
           <a:ln w="76200">
             <a:solidFill>
-              <a:srgbClr val="7030A0"/>
+              <a:srgbClr val="1554BB"/>
             </a:solidFill>
           </a:ln>
         </p:spPr>
@@ -3447,7 +3447,7 @@
             <a:r>
               <a:rPr lang="en-US" altLang="ko-KR" sz="4800" b="1" dirty="0">
                 <a:solidFill>
-                  <a:srgbClr val="7030A0"/>
+                  <a:srgbClr val="1554BB"/>
                 </a:solidFill>
                 <a:latin typeface="배달의민족 주아" panose="02020603020101020101" pitchFamily="18" charset="-127"/>
                 <a:ea typeface="배달의민족 주아" panose="02020603020101020101" pitchFamily="18" charset="-127"/>
@@ -3456,7 +3456,7 @@
             </a:r>
             <a:endParaRPr lang="ko-KR" altLang="en-US" sz="4800" b="1" dirty="0">
               <a:solidFill>
-                <a:srgbClr val="7030A0"/>
+                <a:srgbClr val="1554BB"/>
               </a:solidFill>
               <a:latin typeface="배달의민족 주아" panose="02020603020101020101" pitchFamily="18" charset="-127"/>
               <a:ea typeface="배달의민족 주아" panose="02020603020101020101" pitchFamily="18" charset="-127"/>
@@ -3746,6 +3746,68 @@
               <a:solidFill>
                 <a:srgbClr val="FF572F"/>
               </a:solidFill>
+              <a:latin typeface="배달의민족 주아" panose="02020603020101020101" pitchFamily="18" charset="-127"/>
+              <a:ea typeface="배달의민족 주아" panose="02020603020101020101" pitchFamily="18" charset="-127"/>
+            </a:endParaRPr>
+          </a:p>
+        </p:txBody>
+      </p:sp>
+      <p:sp>
+        <p:nvSpPr>
+          <p:cNvPr id="9" name="순서도: 대체 처리 8">
+            <a:extLst>
+              <a:ext uri="{FF2B5EF4-FFF2-40B4-BE49-F238E27FC236}">
+                <a16:creationId xmlns:a16="http://schemas.microsoft.com/office/drawing/2014/main" id="{FF714E60-19DA-4BC0-8096-4961A5829D47}"/>
+              </a:ext>
+            </a:extLst>
+          </p:cNvPr>
+          <p:cNvSpPr/>
+          <p:nvPr/>
+        </p:nvSpPr>
+        <p:spPr>
+          <a:xfrm>
+            <a:off x="2357306" y="4865615"/>
+            <a:ext cx="2600588" cy="838899"/>
+          </a:xfrm>
+          <a:prstGeom prst="flowChartAlternateProcess">
+            <a:avLst/>
+          </a:prstGeom>
+          <a:solidFill>
+            <a:srgbClr val="667AF4"/>
+          </a:solidFill>
+          <a:ln>
+            <a:noFill/>
+          </a:ln>
+        </p:spPr>
+        <p:style>
+          <a:lnRef idx="2">
+            <a:schemeClr val="accent1">
+              <a:shade val="50000"/>
+            </a:schemeClr>
+          </a:lnRef>
+          <a:fillRef idx="1">
+            <a:schemeClr val="accent1"/>
+          </a:fillRef>
+          <a:effectRef idx="0">
+            <a:schemeClr val="accent1"/>
+          </a:effectRef>
+          <a:fontRef idx="minor">
+            <a:schemeClr val="lt1"/>
+          </a:fontRef>
+        </p:style>
+        <p:txBody>
+          <a:bodyPr rtlCol="0" anchor="ctr"/>
+          <a:lstStyle/>
+          <a:p>
+            <a:pPr algn="ctr"/>
+            <a:r>
+              <a:rPr lang="en-US" altLang="ko-KR" sz="2400" dirty="0">
+                <a:latin typeface="배달의민족 주아" panose="02020603020101020101" pitchFamily="18" charset="-127"/>
+                <a:ea typeface="배달의민족 주아" panose="02020603020101020101" pitchFamily="18" charset="-127"/>
+              </a:rPr>
+              <a:t>Start Lesson</a:t>
+            </a:r>
+            <a:endParaRPr lang="ko-KR" altLang="en-US" sz="2400" dirty="0">
               <a:latin typeface="배달의민족 주아" panose="02020603020101020101" pitchFamily="18" charset="-127"/>
               <a:ea typeface="배달의민족 주아" panose="02020603020101020101" pitchFamily="18" charset="-127"/>
             </a:endParaRPr>
